--- a/BEC_DFG figures/FeshbachSchematic.pptx
+++ b/BEC_DFG figures/FeshbachSchematic.pptx
@@ -104,6 +104,11 @@
       </a:defRPr>
     </a:lvl9pPr>
   </p:defaultTextStyle>
+  <p:extLst>
+    <p:ext uri="{EFAFB233-063F-42B5-8137-9DF3F51BA10A}">
+      <p15:sldGuideLst xmlns:p15="http://schemas.microsoft.com/office/powerpoint/2012/main"/>
+    </p:ext>
+  </p:extLst>
 </p:presentation>
 </file>
 
@@ -238,7 +243,7 @@
           <a:p>
             <a:fld id="{0DFFB395-B2AF-47FC-B2A2-A64EFE2ECD2B}" type="datetimeFigureOut">
               <a:rPr lang="en-US" smtClean="0"/>
-              <a:t>12/5/2018</a:t>
+              <a:t>1/22/2019</a:t>
             </a:fld>
             <a:endParaRPr lang="en-US"/>
           </a:p>
@@ -408,7 +413,7 @@
           <a:p>
             <a:fld id="{0DFFB395-B2AF-47FC-B2A2-A64EFE2ECD2B}" type="datetimeFigureOut">
               <a:rPr lang="en-US" smtClean="0"/>
-              <a:t>12/5/2018</a:t>
+              <a:t>1/22/2019</a:t>
             </a:fld>
             <a:endParaRPr lang="en-US"/>
           </a:p>
@@ -588,7 +593,7 @@
           <a:p>
             <a:fld id="{0DFFB395-B2AF-47FC-B2A2-A64EFE2ECD2B}" type="datetimeFigureOut">
               <a:rPr lang="en-US" smtClean="0"/>
-              <a:t>12/5/2018</a:t>
+              <a:t>1/22/2019</a:t>
             </a:fld>
             <a:endParaRPr lang="en-US"/>
           </a:p>
@@ -758,7 +763,7 @@
           <a:p>
             <a:fld id="{0DFFB395-B2AF-47FC-B2A2-A64EFE2ECD2B}" type="datetimeFigureOut">
               <a:rPr lang="en-US" smtClean="0"/>
-              <a:t>12/5/2018</a:t>
+              <a:t>1/22/2019</a:t>
             </a:fld>
             <a:endParaRPr lang="en-US"/>
           </a:p>
@@ -1004,7 +1009,7 @@
           <a:p>
             <a:fld id="{0DFFB395-B2AF-47FC-B2A2-A64EFE2ECD2B}" type="datetimeFigureOut">
               <a:rPr lang="en-US" smtClean="0"/>
-              <a:t>12/5/2018</a:t>
+              <a:t>1/22/2019</a:t>
             </a:fld>
             <a:endParaRPr lang="en-US"/>
           </a:p>
@@ -1236,7 +1241,7 @@
           <a:p>
             <a:fld id="{0DFFB395-B2AF-47FC-B2A2-A64EFE2ECD2B}" type="datetimeFigureOut">
               <a:rPr lang="en-US" smtClean="0"/>
-              <a:t>12/5/2018</a:t>
+              <a:t>1/22/2019</a:t>
             </a:fld>
             <a:endParaRPr lang="en-US"/>
           </a:p>
@@ -1603,7 +1608,7 @@
           <a:p>
             <a:fld id="{0DFFB395-B2AF-47FC-B2A2-A64EFE2ECD2B}" type="datetimeFigureOut">
               <a:rPr lang="en-US" smtClean="0"/>
-              <a:t>12/5/2018</a:t>
+              <a:t>1/22/2019</a:t>
             </a:fld>
             <a:endParaRPr lang="en-US"/>
           </a:p>
@@ -1721,7 +1726,7 @@
           <a:p>
             <a:fld id="{0DFFB395-B2AF-47FC-B2A2-A64EFE2ECD2B}" type="datetimeFigureOut">
               <a:rPr lang="en-US" smtClean="0"/>
-              <a:t>12/5/2018</a:t>
+              <a:t>1/22/2019</a:t>
             </a:fld>
             <a:endParaRPr lang="en-US"/>
           </a:p>
@@ -1816,7 +1821,7 @@
           <a:p>
             <a:fld id="{0DFFB395-B2AF-47FC-B2A2-A64EFE2ECD2B}" type="datetimeFigureOut">
               <a:rPr lang="en-US" smtClean="0"/>
-              <a:t>12/5/2018</a:t>
+              <a:t>1/22/2019</a:t>
             </a:fld>
             <a:endParaRPr lang="en-US"/>
           </a:p>
@@ -2093,7 +2098,7 @@
           <a:p>
             <a:fld id="{0DFFB395-B2AF-47FC-B2A2-A64EFE2ECD2B}" type="datetimeFigureOut">
               <a:rPr lang="en-US" smtClean="0"/>
-              <a:t>12/5/2018</a:t>
+              <a:t>1/22/2019</a:t>
             </a:fld>
             <a:endParaRPr lang="en-US"/>
           </a:p>
@@ -2346,7 +2351,7 @@
           <a:p>
             <a:fld id="{0DFFB395-B2AF-47FC-B2A2-A64EFE2ECD2B}" type="datetimeFigureOut">
               <a:rPr lang="en-US" smtClean="0"/>
-              <a:t>12/5/2018</a:t>
+              <a:t>1/22/2019</a:t>
             </a:fld>
             <a:endParaRPr lang="en-US"/>
           </a:p>
@@ -2559,7 +2564,7 @@
           <a:p>
             <a:fld id="{0DFFB395-B2AF-47FC-B2A2-A64EFE2ECD2B}" type="datetimeFigureOut">
               <a:rPr lang="en-US" smtClean="0"/>
-              <a:t>12/5/2018</a:t>
+              <a:t>1/22/2019</a:t>
             </a:fld>
             <a:endParaRPr lang="en-US"/>
           </a:p>
@@ -2966,114 +2971,177 @@
       </p:grpSpPr>
       <p:grpSp>
         <p:nvGrpSpPr>
-          <p:cNvPr id="7" name="Group 6"/>
+          <p:cNvPr id="3" name="Group 2"/>
           <p:cNvGrpSpPr/>
           <p:nvPr/>
         </p:nvGrpSpPr>
         <p:grpSpPr>
           <a:xfrm>
-            <a:off x="3225171" y="1678454"/>
-            <a:ext cx="5486400" cy="3087301"/>
-            <a:chOff x="3225171" y="1678454"/>
-            <a:chExt cx="5486400" cy="3087301"/>
+            <a:off x="3013656" y="1545465"/>
+            <a:ext cx="5962919" cy="3438659"/>
+            <a:chOff x="3013656" y="1545465"/>
+            <a:chExt cx="5962919" cy="3438659"/>
           </a:xfrm>
         </p:grpSpPr>
-        <p:pic>
-          <p:nvPicPr>
-            <p:cNvPr id="4" name="Picture 3"/>
-            <p:cNvPicPr>
-              <a:picLocks noChangeAspect="1"/>
-            </p:cNvPicPr>
+        <p:sp>
+          <p:nvSpPr>
+            <p:cNvPr id="2" name="Rectangle 1"/>
+            <p:cNvSpPr/>
             <p:nvPr/>
-          </p:nvPicPr>
-          <p:blipFill>
-            <a:blip r:embed="rId2"/>
-            <a:stretch>
-              <a:fillRect/>
-            </a:stretch>
-          </p:blipFill>
+          </p:nvSpPr>
           <p:spPr>
             <a:xfrm>
-              <a:off x="3225171" y="1961789"/>
-              <a:ext cx="5486400" cy="2803966"/>
+              <a:off x="3013656" y="1545465"/>
+              <a:ext cx="5962919" cy="3438659"/>
             </a:xfrm>
             <a:prstGeom prst="rect">
               <a:avLst/>
             </a:prstGeom>
+            <a:solidFill>
+              <a:schemeClr val="bg1"/>
+            </a:solidFill>
+            <a:ln>
+              <a:solidFill>
+                <a:schemeClr val="bg1"/>
+              </a:solidFill>
+            </a:ln>
           </p:spPr>
-        </p:pic>
-        <p:sp>
-          <p:nvSpPr>
-            <p:cNvPr id="5" name="TextBox 4"/>
-            <p:cNvSpPr txBox="1"/>
-            <p:nvPr/>
-          </p:nvSpPr>
-          <p:spPr>
-            <a:xfrm>
-              <a:off x="3225171" y="1695533"/>
-              <a:ext cx="406671" cy="283335"/>
-            </a:xfrm>
-            <a:prstGeom prst="rect">
-              <a:avLst/>
-            </a:prstGeom>
-            <a:noFill/>
-          </p:spPr>
+          <p:style>
+            <a:lnRef idx="2">
+              <a:schemeClr val="accent1">
+                <a:shade val="50000"/>
+              </a:schemeClr>
+            </a:lnRef>
+            <a:fillRef idx="1">
+              <a:schemeClr val="accent1"/>
+            </a:fillRef>
+            <a:effectRef idx="0">
+              <a:schemeClr val="accent1"/>
+            </a:effectRef>
+            <a:fontRef idx="minor">
+              <a:schemeClr val="lt1"/>
+            </a:fontRef>
+          </p:style>
           <p:txBody>
-            <a:bodyPr wrap="square" rtlCol="0">
-              <a:spAutoFit/>
-            </a:bodyPr>
+            <a:bodyPr rtlCol="0" anchor="ctr"/>
             <a:lstStyle/>
             <a:p>
-              <a:r>
-                <a:rPr lang="en-US" sz="1200" dirty="0" smtClean="0">
-                  <a:latin typeface="Arial" panose="020B0604020202020204" pitchFamily="34" charset="0"/>
-                  <a:cs typeface="Arial" panose="020B0604020202020204" pitchFamily="34" charset="0"/>
-                </a:rPr>
-                <a:t>(a)</a:t>
-              </a:r>
-              <a:endParaRPr lang="en-US" sz="1200" dirty="0">
-                <a:latin typeface="Arial" panose="020B0604020202020204" pitchFamily="34" charset="0"/>
-                <a:cs typeface="Arial" panose="020B0604020202020204" pitchFamily="34" charset="0"/>
-              </a:endParaRPr>
+              <a:pPr algn="ctr"/>
+              <a:endParaRPr lang="en-US"/>
             </a:p>
           </p:txBody>
         </p:sp>
-        <p:sp>
-          <p:nvSpPr>
-            <p:cNvPr id="6" name="TextBox 5"/>
-            <p:cNvSpPr txBox="1"/>
+        <p:grpSp>
+          <p:nvGrpSpPr>
+            <p:cNvPr id="7" name="Group 6"/>
+            <p:cNvGrpSpPr/>
             <p:nvPr/>
-          </p:nvSpPr>
-          <p:spPr>
+          </p:nvGrpSpPr>
+          <p:grpSpPr>
             <a:xfrm>
-              <a:off x="5798799" y="1678454"/>
-              <a:ext cx="406671" cy="283335"/>
+              <a:off x="3225171" y="1678454"/>
+              <a:ext cx="5486400" cy="3087301"/>
+              <a:chOff x="3225171" y="1678454"/>
+              <a:chExt cx="5486400" cy="3087301"/>
             </a:xfrm>
-            <a:prstGeom prst="rect">
-              <a:avLst/>
-            </a:prstGeom>
-            <a:noFill/>
-          </p:spPr>
-          <p:txBody>
-            <a:bodyPr wrap="square" rtlCol="0">
-              <a:spAutoFit/>
-            </a:bodyPr>
-            <a:lstStyle/>
-            <a:p>
-              <a:r>
-                <a:rPr lang="en-US" sz="1200" dirty="0" smtClean="0">
+          </p:grpSpPr>
+          <p:pic>
+            <p:nvPicPr>
+              <p:cNvPr id="4" name="Picture 3"/>
+              <p:cNvPicPr>
+                <a:picLocks noChangeAspect="1"/>
+              </p:cNvPicPr>
+              <p:nvPr/>
+            </p:nvPicPr>
+            <p:blipFill>
+              <a:blip r:embed="rId2"/>
+              <a:stretch>
+                <a:fillRect/>
+              </a:stretch>
+            </p:blipFill>
+            <p:spPr>
+              <a:xfrm>
+                <a:off x="3225171" y="1961789"/>
+                <a:ext cx="5486400" cy="2803966"/>
+              </a:xfrm>
+              <a:prstGeom prst="rect">
+                <a:avLst/>
+              </a:prstGeom>
+            </p:spPr>
+          </p:pic>
+          <p:sp>
+            <p:nvSpPr>
+              <p:cNvPr id="5" name="TextBox 4"/>
+              <p:cNvSpPr txBox="1"/>
+              <p:nvPr/>
+            </p:nvSpPr>
+            <p:spPr>
+              <a:xfrm>
+                <a:off x="3225171" y="1695533"/>
+                <a:ext cx="406671" cy="283335"/>
+              </a:xfrm>
+              <a:prstGeom prst="rect">
+                <a:avLst/>
+              </a:prstGeom>
+              <a:noFill/>
+            </p:spPr>
+            <p:txBody>
+              <a:bodyPr wrap="square" rtlCol="0">
+                <a:spAutoFit/>
+              </a:bodyPr>
+              <a:lstStyle/>
+              <a:p>
+                <a:r>
+                  <a:rPr lang="en-US" sz="1200" dirty="0" smtClean="0">
+                    <a:latin typeface="Arial" panose="020B0604020202020204" pitchFamily="34" charset="0"/>
+                    <a:cs typeface="Arial" panose="020B0604020202020204" pitchFamily="34" charset="0"/>
+                  </a:rPr>
+                  <a:t>(a)</a:t>
+                </a:r>
+                <a:endParaRPr lang="en-US" sz="1200" dirty="0">
                   <a:latin typeface="Arial" panose="020B0604020202020204" pitchFamily="34" charset="0"/>
                   <a:cs typeface="Arial" panose="020B0604020202020204" pitchFamily="34" charset="0"/>
-                </a:rPr>
-                <a:t>(b)</a:t>
-              </a:r>
-              <a:endParaRPr lang="en-US" sz="1200" dirty="0">
-                <a:latin typeface="Arial" panose="020B0604020202020204" pitchFamily="34" charset="0"/>
-                <a:cs typeface="Arial" panose="020B0604020202020204" pitchFamily="34" charset="0"/>
-              </a:endParaRPr>
-            </a:p>
-          </p:txBody>
-        </p:sp>
+                </a:endParaRPr>
+              </a:p>
+            </p:txBody>
+          </p:sp>
+          <p:sp>
+            <p:nvSpPr>
+              <p:cNvPr id="6" name="TextBox 5"/>
+              <p:cNvSpPr txBox="1"/>
+              <p:nvPr/>
+            </p:nvSpPr>
+            <p:spPr>
+              <a:xfrm>
+                <a:off x="5798799" y="1678454"/>
+                <a:ext cx="406671" cy="283335"/>
+              </a:xfrm>
+              <a:prstGeom prst="rect">
+                <a:avLst/>
+              </a:prstGeom>
+              <a:noFill/>
+            </p:spPr>
+            <p:txBody>
+              <a:bodyPr wrap="square" rtlCol="0">
+                <a:spAutoFit/>
+              </a:bodyPr>
+              <a:lstStyle/>
+              <a:p>
+                <a:r>
+                  <a:rPr lang="en-US" sz="1200" dirty="0" smtClean="0">
+                    <a:latin typeface="Arial" panose="020B0604020202020204" pitchFamily="34" charset="0"/>
+                    <a:cs typeface="Arial" panose="020B0604020202020204" pitchFamily="34" charset="0"/>
+                  </a:rPr>
+                  <a:t>(b)</a:t>
+                </a:r>
+                <a:endParaRPr lang="en-US" sz="1200" dirty="0">
+                  <a:latin typeface="Arial" panose="020B0604020202020204" pitchFamily="34" charset="0"/>
+                  <a:cs typeface="Arial" panose="020B0604020202020204" pitchFamily="34" charset="0"/>
+                </a:endParaRPr>
+              </a:p>
+            </p:txBody>
+          </p:sp>
+        </p:grpSp>
       </p:grpSp>
     </p:spTree>
     <p:extLst>
